--- a/presentation.pptx
+++ b/presentation.pptx
@@ -5,7 +5,7 @@
     <p:sldMasterId id="2147483658" r:id="rId1"/>
   </p:sldMasterIdLst>
   <p:notesMasterIdLst>
-    <p:notesMasterId r:id="rId12"/>
+    <p:notesMasterId r:id="rId13"/>
   </p:notesMasterIdLst>
   <p:sldIdLst>
     <p:sldId id="256" r:id="rId2"/>
@@ -17,17 +17,18 @@
     <p:sldId id="279" r:id="rId8"/>
     <p:sldId id="280" r:id="rId9"/>
     <p:sldId id="281" r:id="rId10"/>
-    <p:sldId id="273" r:id="rId11"/>
+    <p:sldId id="282" r:id="rId11"/>
+    <p:sldId id="273" r:id="rId12"/>
   </p:sldIdLst>
   <p:sldSz cx="12192000" cy="6858000"/>
   <p:notesSz cx="6858000" cy="9144000"/>
   <p:embeddedFontLst>
     <p:embeddedFont>
       <p:font typeface="Quattrocento Sans" panose="020B0502050000020003" pitchFamily="34" charset="0"/>
-      <p:regular r:id="rId13"/>
-      <p:bold r:id="rId14"/>
-      <p:italic r:id="rId15"/>
-      <p:boldItalic r:id="rId16"/>
+      <p:regular r:id="rId14"/>
+      <p:bold r:id="rId15"/>
+      <p:italic r:id="rId16"/>
+      <p:boldItalic r:id="rId17"/>
     </p:embeddedFont>
   </p:embeddedFontLst>
   <p:defaultTextStyle>
@@ -2001,6 +2002,115 @@
 </file>
 
 <file path=ppt/notesSlides/notesSlide6.xml><?xml version="1.0" encoding="utf-8"?>
+<p:notes xmlns:a="http://schemas.openxmlformats.org/drawingml/2006/main" xmlns:r="http://schemas.openxmlformats.org/officeDocument/2006/relationships" xmlns:p="http://schemas.openxmlformats.org/presentationml/2006/main" showMasterSp="0" showMasterPhAnim="0">
+  <p:cSld>
+    <p:spTree>
+      <p:nvGrpSpPr>
+        <p:cNvPr id="1" name="Shape 155"/>
+        <p:cNvGrpSpPr/>
+        <p:nvPr/>
+      </p:nvGrpSpPr>
+      <p:grpSpPr>
+        <a:xfrm>
+          <a:off x="0" y="0"/>
+          <a:ext cx="0" cy="0"/>
+          <a:chOff x="0" y="0"/>
+          <a:chExt cx="0" cy="0"/>
+        </a:xfrm>
+      </p:grpSpPr>
+      <p:sp>
+        <p:nvSpPr>
+          <p:cNvPr id="156" name="Google Shape;156;p7:notes"/>
+          <p:cNvSpPr txBox="1">
+            <a:spLocks noGrp="1"/>
+          </p:cNvSpPr>
+          <p:nvPr>
+            <p:ph type="body" idx="1"/>
+          </p:nvPr>
+        </p:nvSpPr>
+        <p:spPr>
+          <a:xfrm>
+            <a:off x="685800" y="4400550"/>
+            <a:ext cx="5486400" cy="3600450"/>
+          </a:xfrm>
+          <a:prstGeom prst="rect">
+            <a:avLst/>
+          </a:prstGeom>
+        </p:spPr>
+        <p:txBody>
+          <a:bodyPr spcFirstLastPara="1" wrap="square" lIns="91425" tIns="45700" rIns="91425" bIns="45700" anchor="t" anchorCtr="0">
+            <a:noAutofit/>
+          </a:bodyPr>
+          <a:lstStyle/>
+          <a:p>
+            <a:pPr marL="0" lvl="0" indent="0" algn="l" rtl="0">
+              <a:spcBef>
+                <a:spcPts val="0"/>
+              </a:spcBef>
+              <a:spcAft>
+                <a:spcPts val="0"/>
+              </a:spcAft>
+              <a:buNone/>
+            </a:pPr>
+            <a:endParaRPr/>
+          </a:p>
+        </p:txBody>
+      </p:sp>
+      <p:sp>
+        <p:nvSpPr>
+          <p:cNvPr id="157" name="Google Shape;157;p7:notes"/>
+          <p:cNvSpPr>
+            <a:spLocks noGrp="1" noRot="1" noChangeAspect="1"/>
+          </p:cNvSpPr>
+          <p:nvPr>
+            <p:ph type="sldImg" idx="2"/>
+          </p:nvPr>
+        </p:nvSpPr>
+        <p:spPr>
+          <a:xfrm>
+            <a:off x="685800" y="1143000"/>
+            <a:ext cx="5486400" cy="3086100"/>
+          </a:xfrm>
+          <a:custGeom>
+            <a:avLst/>
+            <a:gdLst/>
+            <a:ahLst/>
+            <a:cxnLst/>
+            <a:rect l="l" t="t" r="r" b="b"/>
+            <a:pathLst>
+              <a:path w="120000" h="120000" extrusionOk="0">
+                <a:moveTo>
+                  <a:pt x="0" y="0"/>
+                </a:moveTo>
+                <a:lnTo>
+                  <a:pt x="120000" y="0"/>
+                </a:lnTo>
+                <a:lnTo>
+                  <a:pt x="120000" y="120000"/>
+                </a:lnTo>
+                <a:lnTo>
+                  <a:pt x="0" y="120000"/>
+                </a:lnTo>
+                <a:close/>
+              </a:path>
+            </a:pathLst>
+          </a:custGeom>
+        </p:spPr>
+      </p:sp>
+    </p:spTree>
+    <p:extLst>
+      <p:ext uri="{BB962C8B-B14F-4D97-AF65-F5344CB8AC3E}">
+        <p14:creationId xmlns:p14="http://schemas.microsoft.com/office/powerpoint/2010/main" val="891605323"/>
+      </p:ext>
+    </p:extLst>
+  </p:cSld>
+  <p:clrMapOvr>
+    <a:masterClrMapping/>
+  </p:clrMapOvr>
+</p:notes>
+</file>
+
+<file path=ppt/notesSlides/notesSlide7.xml><?xml version="1.0" encoding="utf-8"?>
 <p:notes xmlns:a="http://schemas.openxmlformats.org/drawingml/2006/main" xmlns:r="http://schemas.openxmlformats.org/officeDocument/2006/relationships" xmlns:p="http://schemas.openxmlformats.org/presentationml/2006/main" showMasterSp="0" showMasterPhAnim="0">
   <p:cSld>
     <p:spTree>
@@ -12266,6 +12376,332 @@
   <p:cSld>
     <p:spTree>
       <p:nvGrpSpPr>
+        <p:cNvPr id="1" name="Shape 158"/>
+        <p:cNvGrpSpPr/>
+        <p:nvPr/>
+      </p:nvGrpSpPr>
+      <p:grpSpPr>
+        <a:xfrm>
+          <a:off x="0" y="0"/>
+          <a:ext cx="0" cy="0"/>
+          <a:chOff x="0" y="0"/>
+          <a:chExt cx="0" cy="0"/>
+        </a:xfrm>
+      </p:grpSpPr>
+      <p:sp>
+        <p:nvSpPr>
+          <p:cNvPr id="159" name="Google Shape;159;p18"/>
+          <p:cNvSpPr txBox="1">
+            <a:spLocks noGrp="1"/>
+          </p:cNvSpPr>
+          <p:nvPr>
+            <p:ph type="title"/>
+          </p:nvPr>
+        </p:nvSpPr>
+        <p:spPr>
+          <a:xfrm>
+            <a:off x="844550" y="315975"/>
+            <a:ext cx="10515600" cy="2220000"/>
+          </a:xfrm>
+          <a:prstGeom prst="rect">
+            <a:avLst/>
+          </a:prstGeom>
+          <a:noFill/>
+          <a:ln>
+            <a:noFill/>
+          </a:ln>
+        </p:spPr>
+        <p:txBody>
+          <a:bodyPr spcFirstLastPara="1" wrap="square" lIns="91425" tIns="45700" rIns="91425" bIns="45700" anchor="b" anchorCtr="0">
+            <a:noAutofit/>
+          </a:bodyPr>
+          <a:lstStyle/>
+          <a:p>
+            <a:pPr marL="0" lvl="0" indent="0" algn="l" rtl="0">
+              <a:lnSpc>
+                <a:spcPct val="90000"/>
+              </a:lnSpc>
+              <a:spcBef>
+                <a:spcPts val="0"/>
+              </a:spcBef>
+              <a:spcAft>
+                <a:spcPts val="0"/>
+              </a:spcAft>
+              <a:buClr>
+                <a:schemeClr val="accent1"/>
+              </a:buClr>
+              <a:buSzPts val="6000"/>
+              <a:buFont typeface="Quattrocento Sans"/>
+              <a:buNone/>
+            </a:pPr>
+            <a:r>
+              <a:rPr lang="ru-RU" dirty="0"/>
+              <a:t>Основные шаги:</a:t>
+            </a:r>
+            <a:endParaRPr dirty="0"/>
+          </a:p>
+        </p:txBody>
+      </p:sp>
+      <p:sp>
+        <p:nvSpPr>
+          <p:cNvPr id="160" name="Google Shape;160;p18"/>
+          <p:cNvSpPr txBox="1"/>
+          <p:nvPr/>
+        </p:nvSpPr>
+        <p:spPr>
+          <a:xfrm>
+            <a:off x="11456376" y="6460602"/>
+            <a:ext cx="663600" cy="239100"/>
+          </a:xfrm>
+          <a:prstGeom prst="rect">
+            <a:avLst/>
+          </a:prstGeom>
+          <a:noFill/>
+          <a:ln>
+            <a:noFill/>
+          </a:ln>
+        </p:spPr>
+        <p:txBody>
+          <a:bodyPr spcFirstLastPara="1" wrap="square" lIns="91425" tIns="45700" rIns="91425" bIns="45700" anchor="ctr" anchorCtr="0">
+            <a:noAutofit/>
+          </a:bodyPr>
+          <a:lstStyle/>
+          <a:p>
+            <a:pPr marL="0" marR="0" lvl="0" indent="0" algn="r" rtl="0">
+              <a:spcBef>
+                <a:spcPts val="0"/>
+              </a:spcBef>
+              <a:spcAft>
+                <a:spcPts val="0"/>
+              </a:spcAft>
+              <a:buNone/>
+            </a:pPr>
+            <a:fld id="{00000000-1234-1234-1234-123412341234}" type="slidenum">
+              <a:rPr lang="ru-RU" sz="1200">
+                <a:solidFill>
+                  <a:srgbClr val="121212"/>
+                </a:solidFill>
+                <a:latin typeface="Calibri"/>
+                <a:ea typeface="Calibri"/>
+                <a:cs typeface="Calibri"/>
+                <a:sym typeface="Calibri"/>
+              </a:rPr>
+              <a:t>10</a:t>
+            </a:fld>
+            <a:endParaRPr sz="1200">
+              <a:solidFill>
+                <a:srgbClr val="121212"/>
+              </a:solidFill>
+              <a:latin typeface="Calibri"/>
+              <a:ea typeface="Calibri"/>
+              <a:cs typeface="Calibri"/>
+              <a:sym typeface="Calibri"/>
+            </a:endParaRPr>
+          </a:p>
+        </p:txBody>
+      </p:sp>
+      <p:sp>
+        <p:nvSpPr>
+          <p:cNvPr id="2" name="Google Shape;124;p14">
+            <a:extLst>
+              <a:ext uri="{FF2B5EF4-FFF2-40B4-BE49-F238E27FC236}">
+                <a16:creationId xmlns:a16="http://schemas.microsoft.com/office/drawing/2014/main" id="{5F88D345-A63C-390A-6B73-56614A15F037}"/>
+              </a:ext>
+            </a:extLst>
+          </p:cNvPr>
+          <p:cNvSpPr txBox="1">
+            <a:spLocks noGrp="1"/>
+          </p:cNvSpPr>
+          <p:nvPr>
+            <p:ph type="body" idx="1"/>
+          </p:nvPr>
+        </p:nvSpPr>
+        <p:spPr>
+          <a:xfrm>
+            <a:off x="844550" y="2666603"/>
+            <a:ext cx="10611826" cy="2219999"/>
+          </a:xfrm>
+          <a:prstGeom prst="rect">
+            <a:avLst/>
+          </a:prstGeom>
+          <a:noFill/>
+          <a:ln>
+            <a:noFill/>
+          </a:ln>
+        </p:spPr>
+        <p:txBody>
+          <a:bodyPr spcFirstLastPara="1" wrap="square" lIns="91425" tIns="45700" rIns="91425" bIns="45700" anchor="t" anchorCtr="0">
+            <a:noAutofit/>
+          </a:bodyPr>
+          <a:lstStyle/>
+          <a:p>
+            <a:pPr lvl="0" indent="-457200" algn="just" rtl="0">
+              <a:lnSpc>
+                <a:spcPct val="110000"/>
+              </a:lnSpc>
+              <a:spcBef>
+                <a:spcPts val="0"/>
+              </a:spcBef>
+              <a:spcAft>
+                <a:spcPts val="0"/>
+              </a:spcAft>
+              <a:buClr>
+                <a:srgbClr val="515151"/>
+              </a:buClr>
+              <a:buSzPts val="2400"/>
+              <a:buFont typeface="Arial" panose="020B0604020202020204" pitchFamily="34" charset="0"/>
+              <a:buChar char="•"/>
+            </a:pPr>
+            <a:r>
+              <a:rPr lang="ru-RU" i="1" dirty="0"/>
+              <a:t>Определение топ-64 книг</a:t>
+            </a:r>
+            <a:r>
+              <a:rPr lang="ru-RU" dirty="0"/>
+              <a:t>: книги с наивысшим средним рейтингом среди всех пользователей.</a:t>
+            </a:r>
+          </a:p>
+          <a:p>
+            <a:pPr lvl="0" indent="-457200" algn="just" rtl="0">
+              <a:lnSpc>
+                <a:spcPct val="110000"/>
+              </a:lnSpc>
+              <a:spcBef>
+                <a:spcPts val="0"/>
+              </a:spcBef>
+              <a:spcAft>
+                <a:spcPts val="0"/>
+              </a:spcAft>
+              <a:buClr>
+                <a:srgbClr val="515151"/>
+              </a:buClr>
+              <a:buSzPts val="2400"/>
+              <a:buFont typeface="Arial" panose="020B0604020202020204" pitchFamily="34" charset="0"/>
+              <a:buChar char="•"/>
+            </a:pPr>
+            <a:r>
+              <a:rPr lang="ru-RU" i="1" dirty="0"/>
+              <a:t>Формирование тензоров</a:t>
+            </a:r>
+            <a:r>
+              <a:rPr lang="ru-RU" dirty="0"/>
+              <a:t>: создание тензоров для идентификатора пользователя и книг.</a:t>
+            </a:r>
+          </a:p>
+          <a:p>
+            <a:pPr lvl="0" indent="-457200" algn="just" rtl="0">
+              <a:lnSpc>
+                <a:spcPct val="110000"/>
+              </a:lnSpc>
+              <a:spcBef>
+                <a:spcPts val="0"/>
+              </a:spcBef>
+              <a:spcAft>
+                <a:spcPts val="0"/>
+              </a:spcAft>
+              <a:buClr>
+                <a:srgbClr val="515151"/>
+              </a:buClr>
+              <a:buSzPts val="2400"/>
+              <a:buFont typeface="Arial" panose="020B0604020202020204" pitchFamily="34" charset="0"/>
+              <a:buChar char="•"/>
+            </a:pPr>
+            <a:r>
+              <a:rPr lang="ru-RU" i="1" dirty="0"/>
+              <a:t>Предсказания</a:t>
+            </a:r>
+            <a:r>
+              <a:rPr lang="ru-RU" dirty="0"/>
+              <a:t>: модель NCF предсказывает рейтинги для этих книг.</a:t>
+            </a:r>
+          </a:p>
+          <a:p>
+            <a:pPr lvl="0" indent="-457200" algn="just" rtl="0">
+              <a:lnSpc>
+                <a:spcPct val="110000"/>
+              </a:lnSpc>
+              <a:spcBef>
+                <a:spcPts val="0"/>
+              </a:spcBef>
+              <a:spcAft>
+                <a:spcPts val="0"/>
+              </a:spcAft>
+              <a:buClr>
+                <a:srgbClr val="515151"/>
+              </a:buClr>
+              <a:buSzPts val="2400"/>
+              <a:buFont typeface="Arial" panose="020B0604020202020204" pitchFamily="34" charset="0"/>
+              <a:buChar char="•"/>
+            </a:pPr>
+            <a:r>
+              <a:rPr lang="ru-RU" i="1" dirty="0"/>
+              <a:t>Сортировка</a:t>
+            </a:r>
+            <a:r>
+              <a:rPr lang="ru-RU" dirty="0"/>
+              <a:t>: предсказанные рейтинги сортируются в порядке убывания.</a:t>
+            </a:r>
+          </a:p>
+          <a:p>
+            <a:pPr lvl="0" indent="-457200" algn="just" rtl="0">
+              <a:lnSpc>
+                <a:spcPct val="110000"/>
+              </a:lnSpc>
+              <a:spcBef>
+                <a:spcPts val="0"/>
+              </a:spcBef>
+              <a:spcAft>
+                <a:spcPts val="0"/>
+              </a:spcAft>
+              <a:buClr>
+                <a:srgbClr val="515151"/>
+              </a:buClr>
+              <a:buSzPts val="2400"/>
+              <a:buFont typeface="Arial" panose="020B0604020202020204" pitchFamily="34" charset="0"/>
+              <a:buChar char="•"/>
+            </a:pPr>
+            <a:r>
+              <a:rPr lang="ru-RU" i="1" dirty="0"/>
+              <a:t>Получение топ-3 книг</a:t>
+            </a:r>
+            <a:r>
+              <a:rPr lang="ru-RU" dirty="0"/>
+              <a:t>: идентификаторы топ-3 книг выбираются и декодируются в исходные ISBN.</a:t>
+            </a:r>
+            <a:endParaRPr lang="en-GB" dirty="0"/>
+          </a:p>
+        </p:txBody>
+      </p:sp>
+    </p:spTree>
+    <p:extLst>
+      <p:ext uri="{BB962C8B-B14F-4D97-AF65-F5344CB8AC3E}">
+        <p14:creationId xmlns:p14="http://schemas.microsoft.com/office/powerpoint/2010/main" val="1711069378"/>
+      </p:ext>
+    </p:extLst>
+  </p:cSld>
+  <p:clrMapOvr>
+    <a:masterClrMapping/>
+  </p:clrMapOvr>
+  <mc:AlternateContent xmlns:mc="http://schemas.openxmlformats.org/markup-compatibility/2006" xmlns:p159="http://schemas.microsoft.com/office/powerpoint/2015/09/main">
+    <mc:Choice Requires="p159">
+      <p:transition xmlns:p14="http://schemas.microsoft.com/office/powerpoint/2010/main" spd="slow" p14:dur="2000">
+        <p159:morph option="byObject"/>
+      </p:transition>
+    </mc:Choice>
+    <mc:Fallback xmlns="">
+      <p:transition spd="slow">
+        <p:fade/>
+      </p:transition>
+    </mc:Fallback>
+  </mc:AlternateContent>
+</p:sld>
+</file>
+
+<file path=ppt/slides/slide11.xml><?xml version="1.0" encoding="utf-8"?>
+<p:sld xmlns:a="http://schemas.openxmlformats.org/drawingml/2006/main" xmlns:r="http://schemas.openxmlformats.org/officeDocument/2006/relationships" xmlns:p="http://schemas.openxmlformats.org/presentationml/2006/main">
+  <p:cSld>
+    <p:spTree>
+      <p:nvGrpSpPr>
         <p:cNvPr id="1" name="Shape 239"/>
         <p:cNvGrpSpPr/>
         <p:nvPr/>
@@ -12434,7 +12870,7 @@
                 <a:cs typeface="Calibri"/>
                 <a:sym typeface="Calibri"/>
               </a:rPr>
-              <a:t>10</a:t>
+              <a:t>11</a:t>
             </a:fld>
             <a:endParaRPr sz="1200">
               <a:solidFill>
